--- a/_book/plot/china-category-1.pptx
+++ b/_book/plot/china-category-1.pptx
@@ -3123,7 +3123,7 @@
           <p:spPr>
             <a:xfrm>
               <a:off x="2148681" y="1495425"/>
-              <a:ext cx="6400800" cy="4571999"/>
+              <a:ext cx="6400799" cy="4571999"/>
             </a:xfrm>
             <a:prstGeom prst="rect">
               <a:avLst/>
@@ -4372,8 +4372,8 @@
           </p:nvSpPr>
           <p:spPr>
             <a:xfrm>
-              <a:off x="6673018" y="3610041"/>
-              <a:ext cx="905473" cy="59468"/>
+              <a:off x="6672256" y="3609892"/>
+              <a:ext cx="906997" cy="59568"/>
             </a:xfrm>
             <a:prstGeom prst="rect">
               <a:avLst/>
@@ -4386,7 +4386,7 @@
             <a:p>
               <a:pPr algn="l" marL="0" marR="0" indent="0">
                 <a:lnSpc>
-                  <a:spcPts val="632"/>
+                  <a:spcPts val="633"/>
                 </a:lnSpc>
                 <a:spcBef>
                   <a:spcPts val="0"/>
@@ -4396,7 +4396,7 @@
                 </a:spcAft>
               </a:pPr>
               <a:r>
-                <a:rPr sz="632" b="1">
+                <a:rPr sz="633" b="1">
                   <a:solidFill>
                     <a:srgbClr val="000000">
                       <a:alpha val="100000"/>
@@ -4418,8 +4418,8 @@
           </p:nvSpPr>
           <p:spPr>
             <a:xfrm>
-              <a:off x="6844740" y="3725690"/>
-              <a:ext cx="562030" cy="59429"/>
+              <a:off x="6844267" y="3725735"/>
+              <a:ext cx="562976" cy="59529"/>
             </a:xfrm>
             <a:prstGeom prst="rect">
               <a:avLst/>
@@ -4432,7 +4432,7 @@
             <a:p>
               <a:pPr algn="l" marL="0" marR="0" indent="0">
                 <a:lnSpc>
-                  <a:spcPts val="632"/>
+                  <a:spcPts val="633"/>
                 </a:lnSpc>
                 <a:spcBef>
                   <a:spcPts val="0"/>
@@ -4442,7 +4442,7 @@
                 </a:spcAft>
               </a:pPr>
               <a:r>
-                <a:rPr sz="632" b="1">
+                <a:rPr sz="633" b="1">
                   <a:solidFill>
                     <a:srgbClr val="000000">
                       <a:alpha val="100000"/>
@@ -4510,8 +4510,8 @@
           </p:nvSpPr>
           <p:spPr>
             <a:xfrm>
-              <a:off x="7793113" y="4734792"/>
-              <a:ext cx="384402" cy="69761"/>
+              <a:off x="7790934" y="4732805"/>
+              <a:ext cx="388762" cy="70552"/>
             </a:xfrm>
             <a:prstGeom prst="rect">
               <a:avLst/>
@@ -4524,7 +4524,7 @@
             <a:p>
               <a:pPr algn="l" marL="0" marR="0" indent="0">
                 <a:lnSpc>
-                  <a:spcPts val="767"/>
+                  <a:spcPts val="776"/>
                 </a:lnSpc>
                 <a:spcBef>
                   <a:spcPts val="0"/>
@@ -4534,7 +4534,7 @@
                 </a:spcAft>
               </a:pPr>
               <a:r>
-                <a:rPr sz="767" b="1">
+                <a:rPr sz="776" b="1">
                   <a:solidFill>
                     <a:srgbClr val="000000">
                       <a:alpha val="100000"/>
@@ -4556,8 +4556,8 @@
           </p:nvSpPr>
           <p:spPr>
             <a:xfrm>
-              <a:off x="7641527" y="4872703"/>
-              <a:ext cx="687575" cy="72188"/>
+              <a:off x="7637628" y="4872280"/>
+              <a:ext cx="695373" cy="73007"/>
             </a:xfrm>
             <a:prstGeom prst="rect">
               <a:avLst/>
@@ -4570,7 +4570,7 @@
             <a:p>
               <a:pPr algn="l" marL="0" marR="0" indent="0">
                 <a:lnSpc>
-                  <a:spcPts val="767"/>
+                  <a:spcPts val="776"/>
                 </a:lnSpc>
                 <a:spcBef>
                   <a:spcPts val="0"/>
@@ -4580,7 +4580,7 @@
                 </a:spcAft>
               </a:pPr>
               <a:r>
-                <a:rPr sz="767" b="1">
+                <a:rPr sz="776" b="1">
                   <a:solidFill>
                     <a:srgbClr val="000000">
                       <a:alpha val="100000"/>
@@ -4602,8 +4602,8 @@
           </p:nvSpPr>
           <p:spPr>
             <a:xfrm>
-              <a:off x="7760612" y="5013089"/>
-              <a:ext cx="449405" cy="72140"/>
+              <a:off x="7758064" y="5014258"/>
+              <a:ext cx="454502" cy="72959"/>
             </a:xfrm>
             <a:prstGeom prst="rect">
               <a:avLst/>
@@ -4616,7 +4616,7 @@
             <a:p>
               <a:pPr algn="l" marL="0" marR="0" indent="0">
                 <a:lnSpc>
-                  <a:spcPts val="767"/>
+                  <a:spcPts val="776"/>
                 </a:lnSpc>
                 <a:spcBef>
                   <a:spcPts val="0"/>
@@ -4626,7 +4626,7 @@
                 </a:spcAft>
               </a:pPr>
               <a:r>
-                <a:rPr sz="767" b="1">
+                <a:rPr sz="776" b="1">
                   <a:solidFill>
                     <a:srgbClr val="000000">
                       <a:alpha val="100000"/>
@@ -5016,8 +5016,8 @@
           </p:nvSpPr>
           <p:spPr>
             <a:xfrm>
-              <a:off x="6815261" y="4814211"/>
-              <a:ext cx="758024" cy="64332"/>
+              <a:off x="6848723" y="4822669"/>
+              <a:ext cx="691099" cy="58652"/>
             </a:xfrm>
             <a:prstGeom prst="rect">
               <a:avLst/>
@@ -5030,7 +5030,7 @@
             <a:p>
               <a:pPr algn="l" marL="0" marR="0" indent="0">
                 <a:lnSpc>
-                  <a:spcPts val="684"/>
+                  <a:spcPts val="623"/>
                 </a:lnSpc>
                 <a:spcBef>
                   <a:spcPts val="0"/>
@@ -5040,7 +5040,7 @@
                 </a:spcAft>
               </a:pPr>
               <a:r>
-                <a:rPr sz="684" b="1">
+                <a:rPr sz="623" b="1">
                   <a:solidFill>
                     <a:srgbClr val="000000">
                       <a:alpha val="100000"/>
@@ -5062,8 +5062,8 @@
           </p:nvSpPr>
           <p:spPr>
             <a:xfrm>
-              <a:off x="6943204" y="4939358"/>
-              <a:ext cx="502138" cy="64332"/>
+              <a:off x="6965370" y="4936767"/>
+              <a:ext cx="457805" cy="58652"/>
             </a:xfrm>
             <a:prstGeom prst="rect">
               <a:avLst/>
@@ -5076,7 +5076,7 @@
             <a:p>
               <a:pPr algn="l" marL="0" marR="0" indent="0">
                 <a:lnSpc>
-                  <a:spcPts val="684"/>
+                  <a:spcPts val="623"/>
                 </a:lnSpc>
                 <a:spcBef>
                   <a:spcPts val="0"/>
@@ -5086,7 +5086,7 @@
                 </a:spcAft>
               </a:pPr>
               <a:r>
-                <a:rPr sz="684" b="1">
+                <a:rPr sz="623" b="1">
                   <a:solidFill>
                     <a:srgbClr val="000000">
                       <a:alpha val="100000"/>
@@ -5108,8 +5108,8 @@
           </p:nvSpPr>
           <p:spPr>
             <a:xfrm>
-              <a:off x="7623612" y="3582264"/>
-              <a:ext cx="695505" cy="77243"/>
+              <a:off x="7614255" y="3579134"/>
+              <a:ext cx="714219" cy="79321"/>
             </a:xfrm>
             <a:prstGeom prst="rect">
               <a:avLst/>
@@ -5122,7 +5122,7 @@
             <a:p>
               <a:pPr algn="l" marL="0" marR="0" indent="0">
                 <a:lnSpc>
-                  <a:spcPts val="849"/>
+                  <a:spcPts val="872"/>
                 </a:lnSpc>
                 <a:spcBef>
                   <a:spcPts val="0"/>
@@ -5132,7 +5132,7 @@
                 </a:spcAft>
               </a:pPr>
               <a:r>
-                <a:rPr sz="849" b="1">
+                <a:rPr sz="872" b="1">
                   <a:solidFill>
                     <a:srgbClr val="000000">
                       <a:alpha val="100000"/>
@@ -5154,8 +5154,8 @@
           </p:nvSpPr>
           <p:spPr>
             <a:xfrm>
-              <a:off x="7695534" y="3734965"/>
-              <a:ext cx="551662" cy="79930"/>
+              <a:off x="7688112" y="3735944"/>
+              <a:ext cx="566506" cy="82081"/>
             </a:xfrm>
             <a:prstGeom prst="rect">
               <a:avLst/>
@@ -5168,7 +5168,7 @@
             <a:p>
               <a:pPr algn="l" marL="0" marR="0" indent="0">
                 <a:lnSpc>
-                  <a:spcPts val="849"/>
+                  <a:spcPts val="872"/>
                 </a:lnSpc>
                 <a:spcBef>
                   <a:spcPts val="0"/>
@@ -5178,7 +5178,7 @@
                 </a:spcAft>
               </a:pPr>
               <a:r>
-                <a:rPr sz="849" b="1">
+                <a:rPr sz="872" b="1">
                   <a:solidFill>
                     <a:srgbClr val="000000">
                       <a:alpha val="100000"/>

--- a/_book/plot/china-category-1.pptx
+++ b/_book/plot/china-category-1.pptx
@@ -3108,10 +3108,10 @@
         </p:nvGrpSpPr>
         <p:grpSpPr>
           <a:xfrm>
-            <a:off x="2148682" y="1495425"/>
-            <a:ext cx="6400800" cy="4572000"/>
-            <a:chOff x="2148682" y="1495425"/>
-            <a:chExt cx="6400800" cy="4572000"/>
+            <a:off x="1691482" y="1521028"/>
+            <a:ext cx="7315200" cy="4520794"/>
+            <a:chOff x="1691482" y="1521028"/>
+            <a:chExt cx="7315200" cy="4520794"/>
           </a:xfrm>
         </p:grpSpPr>
         <p:sp>
@@ -3122,8 +3122,8 @@
           </p:nvSpPr>
           <p:spPr>
             <a:xfrm>
-              <a:off x="2148681" y="1495425"/>
-              <a:ext cx="6400799" cy="4571999"/>
+              <a:off x="1691481" y="1521028"/>
+              <a:ext cx="7315199" cy="4520793"/>
             </a:xfrm>
             <a:prstGeom prst="rect">
               <a:avLst/>
@@ -3157,7 +3157,7 @@
           </p:nvSpPr>
           <p:spPr>
             <a:xfrm>
-              <a:off x="4271863" y="1642220"/>
+              <a:off x="4271863" y="1667823"/>
               <a:ext cx="2154435" cy="166861"/>
             </a:xfrm>
             <a:prstGeom prst="rect">
@@ -3203,8 +3203,8 @@
           </p:nvSpPr>
           <p:spPr>
             <a:xfrm>
-              <a:off x="5647480" y="1905464"/>
-              <a:ext cx="1415879" cy="1125803"/>
+              <a:off x="5692648" y="1931068"/>
+              <a:ext cx="1125111" cy="1610692"/>
             </a:xfrm>
             <a:prstGeom prst="rect">
               <a:avLst/>
@@ -3238,8 +3238,8 @@
           </p:nvSpPr>
           <p:spPr>
             <a:xfrm>
-              <a:off x="4191902" y="3696674"/>
-              <a:ext cx="1455577" cy="1140375"/>
+              <a:off x="4016739" y="3699752"/>
+              <a:ext cx="1675909" cy="1126034"/>
             </a:xfrm>
             <a:prstGeom prst="rect">
               <a:avLst/>
@@ -3273,8 +3273,8 @@
           </p:nvSpPr>
           <p:spPr>
             <a:xfrm>
-              <a:off x="4191902" y="1905464"/>
-              <a:ext cx="1455577" cy="1791209"/>
+              <a:off x="4016739" y="1931068"/>
+              <a:ext cx="1675909" cy="1768684"/>
             </a:xfrm>
             <a:prstGeom prst="rect">
               <a:avLst/>
@@ -3308,8 +3308,8 @@
           </p:nvSpPr>
           <p:spPr>
             <a:xfrm>
-              <a:off x="5647480" y="5178884"/>
-              <a:ext cx="1139917" cy="798540"/>
+              <a:off x="7801321" y="3541760"/>
+              <a:ext cx="1025359" cy="1009283"/>
             </a:xfrm>
             <a:prstGeom prst="rect">
               <a:avLst/>
@@ -3343,8 +3343,8 @@
           </p:nvSpPr>
           <p:spPr>
             <a:xfrm>
-              <a:off x="5647480" y="3031268"/>
-              <a:ext cx="1030780" cy="1334622"/>
+              <a:off x="7855654" y="1931068"/>
+              <a:ext cx="971026" cy="1610692"/>
             </a:xfrm>
             <a:prstGeom prst="rect">
               <a:avLst/>
@@ -3378,8 +3378,8 @@
           </p:nvSpPr>
           <p:spPr>
             <a:xfrm>
-              <a:off x="2328681" y="1905465"/>
-              <a:ext cx="1863220" cy="2250410"/>
+              <a:off x="1871481" y="1931068"/>
+              <a:ext cx="2145257" cy="2222110"/>
             </a:xfrm>
             <a:prstGeom prst="rect">
               <a:avLst/>
@@ -3413,8 +3413,8 @@
           </p:nvSpPr>
           <p:spPr>
             <a:xfrm>
-              <a:off x="6678260" y="3031268"/>
-              <a:ext cx="894989" cy="1334622"/>
+              <a:off x="5692648" y="3541760"/>
+              <a:ext cx="1064755" cy="1275397"/>
             </a:xfrm>
             <a:prstGeom prst="rect">
               <a:avLst/>
@@ -3448,8 +3448,8 @@
           </p:nvSpPr>
           <p:spPr>
             <a:xfrm>
-              <a:off x="7063359" y="1905464"/>
-              <a:ext cx="1306121" cy="1125803"/>
+              <a:off x="6817760" y="1931068"/>
+              <a:ext cx="1037893" cy="1610692"/>
             </a:xfrm>
             <a:prstGeom prst="rect">
               <a:avLst/>
@@ -3483,8 +3483,8 @@
           </p:nvSpPr>
           <p:spPr>
             <a:xfrm>
-              <a:off x="7601149" y="4365891"/>
-              <a:ext cx="768332" cy="1088240"/>
+              <a:off x="6757403" y="5271539"/>
+              <a:ext cx="1397347" cy="680281"/>
             </a:xfrm>
             <a:prstGeom prst="rect">
               <a:avLst/>
@@ -3518,8 +3518,8 @@
           </p:nvSpPr>
           <p:spPr>
             <a:xfrm>
-              <a:off x="5647480" y="4365891"/>
-              <a:ext cx="1139917" cy="812993"/>
+              <a:off x="6757403" y="3541760"/>
+              <a:ext cx="1043918" cy="1009283"/>
             </a:xfrm>
             <a:prstGeom prst="rect">
               <a:avLst/>
@@ -3553,8 +3553,8 @@
           </p:nvSpPr>
           <p:spPr>
             <a:xfrm>
-              <a:off x="2328681" y="4155875"/>
-              <a:ext cx="1863220" cy="1821549"/>
+              <a:off x="1871481" y="4153178"/>
+              <a:ext cx="2145257" cy="1798643"/>
             </a:xfrm>
             <a:prstGeom prst="rect">
               <a:avLst/>
@@ -3588,8 +3588,8 @@
           </p:nvSpPr>
           <p:spPr>
             <a:xfrm>
-              <a:off x="6787398" y="5454132"/>
-              <a:ext cx="1582083" cy="523292"/>
+              <a:off x="8154751" y="4551044"/>
+              <a:ext cx="671930" cy="1400777"/>
             </a:xfrm>
             <a:prstGeom prst="rect">
               <a:avLst/>
@@ -3623,8 +3623,8 @@
           </p:nvSpPr>
           <p:spPr>
             <a:xfrm>
-              <a:off x="4191902" y="4837049"/>
-              <a:ext cx="1455577" cy="1140375"/>
+              <a:off x="4016739" y="4825787"/>
+              <a:ext cx="1675909" cy="1126034"/>
             </a:xfrm>
             <a:prstGeom prst="rect">
               <a:avLst/>
@@ -3658,8 +3658,8 @@
           </p:nvSpPr>
           <p:spPr>
             <a:xfrm>
-              <a:off x="6787398" y="4365891"/>
-              <a:ext cx="813751" cy="1088240"/>
+              <a:off x="6757403" y="4551044"/>
+              <a:ext cx="1397347" cy="720495"/>
             </a:xfrm>
             <a:prstGeom prst="rect">
               <a:avLst/>
@@ -3693,8 +3693,8 @@
           </p:nvSpPr>
           <p:spPr>
             <a:xfrm>
-              <a:off x="7573249" y="3031268"/>
-              <a:ext cx="796231" cy="1334622"/>
+              <a:off x="5692648" y="4817157"/>
+              <a:ext cx="1064755" cy="1134664"/>
             </a:xfrm>
             <a:prstGeom prst="rect">
               <a:avLst/>
@@ -3728,7 +3728,7 @@
           </p:nvSpPr>
           <p:spPr>
             <a:xfrm>
-              <a:off x="5847097" y="2213788"/>
+              <a:off x="5746882" y="2481835"/>
               <a:ext cx="1016644" cy="103410"/>
             </a:xfrm>
             <a:prstGeom prst="rect">
@@ -3774,7 +3774,7 @@
           </p:nvSpPr>
           <p:spPr>
             <a:xfrm>
-              <a:off x="5847097" y="2418366"/>
+              <a:off x="5746882" y="2686414"/>
               <a:ext cx="1016644" cy="100000"/>
             </a:xfrm>
             <a:prstGeom prst="rect">
@@ -3820,7 +3820,7 @@
           </p:nvSpPr>
           <p:spPr>
             <a:xfrm>
-              <a:off x="6044914" y="2616056"/>
+              <a:off x="5944699" y="2884103"/>
               <a:ext cx="621010" cy="103478"/>
             </a:xfrm>
             <a:prstGeom prst="rect">
@@ -3866,7 +3866,7 @@
           </p:nvSpPr>
           <p:spPr>
             <a:xfrm>
-              <a:off x="4384151" y="4012215"/>
+              <a:off x="4319154" y="4108707"/>
               <a:ext cx="1071078" cy="103478"/>
             </a:xfrm>
             <a:prstGeom prst="rect">
@@ -3912,8 +3912,8 @@
           </p:nvSpPr>
           <p:spPr>
             <a:xfrm>
-              <a:off x="4473476" y="4213451"/>
-              <a:ext cx="892429" cy="103410"/>
+              <a:off x="4066971" y="4309943"/>
+              <a:ext cx="1575444" cy="103410"/>
             </a:xfrm>
             <a:prstGeom prst="rect">
               <a:avLst/>
@@ -3945,7 +3945,7 @@
                   <a:latin typeface="Arial"/>
                   <a:cs typeface="Arial"/>
                 </a:rPr>
-                <a:t>MOLECULAR</a:t>
+                <a:t>MOLECULAR BIOLOGY</a:t>
               </a:r>
             </a:p>
           </p:txBody>
@@ -3958,7 +3958,559 @@
           </p:nvSpPr>
           <p:spPr>
             <a:xfrm>
-              <a:off x="4597589" y="4414619"/>
+              <a:off x="4237674" y="2560831"/>
+              <a:ext cx="1234039" cy="103410"/>
+            </a:xfrm>
+            <a:prstGeom prst="rect">
+              <a:avLst/>
+            </a:prstGeom>
+            <a:noFill/>
+          </p:spPr>
+          <p:txBody>
+            <a:bodyPr lIns="0" rIns="0" tIns="0" bIns="0" anchorCtr="1" anchor="ctr" wrap="none"/>
+            <a:lstStyle/>
+            <a:p>
+              <a:pPr algn="l" marL="0" marR="0" indent="0">
+                <a:lnSpc>
+                  <a:spcPts val="1100"/>
+                </a:lnSpc>
+                <a:spcBef>
+                  <a:spcPts val="0"/>
+                </a:spcBef>
+                <a:spcAft>
+                  <a:spcPts val="0"/>
+                </a:spcAft>
+              </a:pPr>
+              <a:r>
+                <a:rPr sz="1100" b="1">
+                  <a:solidFill>
+                    <a:srgbClr val="000000">
+                      <a:alpha val="100000"/>
+                    </a:srgbClr>
+                  </a:solidFill>
+                  <a:latin typeface="Arial"/>
+                  <a:cs typeface="Arial"/>
+                </a:rPr>
+                <a:t>BIOTECHNOLOGY</a:t>
+              </a:r>
+            </a:p>
+          </p:txBody>
+        </p:sp>
+        <p:sp>
+          <p:nvSpPr>
+            <p:cNvPr id="26" name="tx26"/>
+            <p:cNvSpPr/>
+            <p:nvPr/>
+          </p:nvSpPr>
+          <p:spPr>
+            <a:xfrm>
+              <a:off x="4551965" y="2765410"/>
+              <a:ext cx="605457" cy="100000"/>
+            </a:xfrm>
+            <a:prstGeom prst="rect">
+              <a:avLst/>
+            </a:prstGeom>
+            <a:noFill/>
+          </p:spPr>
+          <p:txBody>
+            <a:bodyPr lIns="0" rIns="0" tIns="0" bIns="0" anchorCtr="1" anchor="ctr" wrap="none"/>
+            <a:lstStyle/>
+            <a:p>
+              <a:pPr algn="l" marL="0" marR="0" indent="0">
+                <a:lnSpc>
+                  <a:spcPts val="1100"/>
+                </a:lnSpc>
+                <a:spcBef>
+                  <a:spcPts val="0"/>
+                </a:spcBef>
+                <a:spcAft>
+                  <a:spcPts val="0"/>
+                </a:spcAft>
+              </a:pPr>
+              <a:r>
+                <a:rPr sz="1100" b="1">
+                  <a:solidFill>
+                    <a:srgbClr val="000000">
+                      <a:alpha val="100000"/>
+                    </a:srgbClr>
+                  </a:solidFill>
+                  <a:latin typeface="Arial"/>
+                  <a:cs typeface="Arial"/>
+                </a:rPr>
+                <a:t>APPLIED</a:t>
+              </a:r>
+            </a:p>
+          </p:txBody>
+        </p:sp>
+        <p:sp>
+          <p:nvSpPr>
+            <p:cNvPr id="27" name="tx27"/>
+            <p:cNvSpPr/>
+            <p:nvPr/>
+          </p:nvSpPr>
+          <p:spPr>
+            <a:xfrm>
+              <a:off x="4299782" y="2963167"/>
+              <a:ext cx="1109823" cy="103410"/>
+            </a:xfrm>
+            <a:prstGeom prst="rect">
+              <a:avLst/>
+            </a:prstGeom>
+            <a:noFill/>
+          </p:spPr>
+          <p:txBody>
+            <a:bodyPr lIns="0" rIns="0" tIns="0" bIns="0" anchorCtr="1" anchor="ctr" wrap="none"/>
+            <a:lstStyle/>
+            <a:p>
+              <a:pPr algn="l" marL="0" marR="0" indent="0">
+                <a:lnSpc>
+                  <a:spcPts val="1100"/>
+                </a:lnSpc>
+                <a:spcBef>
+                  <a:spcPts val="0"/>
+                </a:spcBef>
+                <a:spcAft>
+                  <a:spcPts val="0"/>
+                </a:spcAft>
+              </a:pPr>
+              <a:r>
+                <a:rPr sz="1100" b="1">
+                  <a:solidFill>
+                    <a:srgbClr val="000000">
+                      <a:alpha val="100000"/>
+                    </a:srgbClr>
+                  </a:solidFill>
+                  <a:latin typeface="Arial"/>
+                  <a:cs typeface="Arial"/>
+                </a:rPr>
+                <a:t>MICROBIOLOGY</a:t>
+              </a:r>
+            </a:p>
+          </p:txBody>
+        </p:sp>
+        <p:sp>
+          <p:nvSpPr>
+            <p:cNvPr id="28" name="tx28"/>
+            <p:cNvSpPr/>
+            <p:nvPr/>
+          </p:nvSpPr>
+          <p:spPr>
+            <a:xfrm>
+              <a:off x="7902643" y="3892339"/>
+              <a:ext cx="822715" cy="103478"/>
+            </a:xfrm>
+            <a:prstGeom prst="rect">
+              <a:avLst/>
+            </a:prstGeom>
+            <a:noFill/>
+          </p:spPr>
+          <p:txBody>
+            <a:bodyPr lIns="0" rIns="0" tIns="0" bIns="0" anchorCtr="1" anchor="ctr" wrap="none"/>
+            <a:lstStyle/>
+            <a:p>
+              <a:pPr algn="l" marL="0" marR="0" indent="0">
+                <a:lnSpc>
+                  <a:spcPts val="1100"/>
+                </a:lnSpc>
+                <a:spcBef>
+                  <a:spcPts val="0"/>
+                </a:spcBef>
+                <a:spcAft>
+                  <a:spcPts val="0"/>
+                </a:spcAft>
+              </a:pPr>
+              <a:r>
+                <a:rPr sz="1100" b="1">
+                  <a:solidFill>
+                    <a:srgbClr val="000000">
+                      <a:alpha val="100000"/>
+                    </a:srgbClr>
+                  </a:solidFill>
+                  <a:latin typeface="Arial"/>
+                  <a:cs typeface="Arial"/>
+                </a:rPr>
+                <a:t>CHEMISTRY</a:t>
+              </a:r>
+            </a:p>
+          </p:txBody>
+        </p:sp>
+        <p:sp>
+          <p:nvSpPr>
+            <p:cNvPr id="29" name="tx29"/>
+            <p:cNvSpPr/>
+            <p:nvPr/>
+          </p:nvSpPr>
+          <p:spPr>
+            <a:xfrm>
+              <a:off x="8011272" y="4096986"/>
+              <a:ext cx="605457" cy="100000"/>
+            </a:xfrm>
+            <a:prstGeom prst="rect">
+              <a:avLst/>
+            </a:prstGeom>
+            <a:noFill/>
+          </p:spPr>
+          <p:txBody>
+            <a:bodyPr lIns="0" rIns="0" tIns="0" bIns="0" anchorCtr="1" anchor="ctr" wrap="none"/>
+            <a:lstStyle/>
+            <a:p>
+              <a:pPr algn="l" marL="0" marR="0" indent="0">
+                <a:lnSpc>
+                  <a:spcPts val="1100"/>
+                </a:lnSpc>
+                <a:spcBef>
+                  <a:spcPts val="0"/>
+                </a:spcBef>
+                <a:spcAft>
+                  <a:spcPts val="0"/>
+                </a:spcAft>
+              </a:pPr>
+              <a:r>
+                <a:rPr sz="1100" b="1">
+                  <a:solidFill>
+                    <a:srgbClr val="000000">
+                      <a:alpha val="100000"/>
+                    </a:srgbClr>
+                  </a:solidFill>
+                  <a:latin typeface="Arial"/>
+                  <a:cs typeface="Arial"/>
+                </a:rPr>
+                <a:t>APPLIED</a:t>
+              </a:r>
+            </a:p>
+          </p:txBody>
+        </p:sp>
+        <p:sp>
+          <p:nvSpPr>
+            <p:cNvPr id="30" name="tx30"/>
+            <p:cNvSpPr/>
+            <p:nvPr/>
+          </p:nvSpPr>
+          <p:spPr>
+            <a:xfrm>
+              <a:off x="7972443" y="2682935"/>
+              <a:ext cx="737449" cy="103478"/>
+            </a:xfrm>
+            <a:prstGeom prst="rect">
+              <a:avLst/>
+            </a:prstGeom>
+            <a:noFill/>
+          </p:spPr>
+          <p:txBody>
+            <a:bodyPr lIns="0" rIns="0" tIns="0" bIns="0" anchorCtr="1" anchor="ctr" wrap="none"/>
+            <a:lstStyle/>
+            <a:p>
+              <a:pPr algn="l" marL="0" marR="0" indent="0">
+                <a:lnSpc>
+                  <a:spcPts val="1100"/>
+                </a:lnSpc>
+                <a:spcBef>
+                  <a:spcPts val="0"/>
+                </a:spcBef>
+                <a:spcAft>
+                  <a:spcPts val="0"/>
+                </a:spcAft>
+              </a:pPr>
+              <a:r>
+                <a:rPr sz="1100" b="1">
+                  <a:solidFill>
+                    <a:srgbClr val="000000">
+                      <a:alpha val="100000"/>
+                    </a:srgbClr>
+                  </a:solidFill>
+                  <a:latin typeface="Arial"/>
+                  <a:cs typeface="Arial"/>
+                </a:rPr>
+                <a:t>FISHERIES</a:t>
+              </a:r>
+            </a:p>
+          </p:txBody>
+        </p:sp>
+        <p:sp>
+          <p:nvSpPr>
+            <p:cNvPr id="31" name="tx31"/>
+            <p:cNvSpPr/>
+            <p:nvPr/>
+          </p:nvSpPr>
+          <p:spPr>
+            <a:xfrm>
+              <a:off x="1900180" y="2988644"/>
+              <a:ext cx="2087860" cy="103478"/>
+            </a:xfrm>
+            <a:prstGeom prst="rect">
+              <a:avLst/>
+            </a:prstGeom>
+            <a:noFill/>
+          </p:spPr>
+          <p:txBody>
+            <a:bodyPr lIns="0" rIns="0" tIns="0" bIns="0" anchorCtr="1" anchor="ctr" wrap="none"/>
+            <a:lstStyle/>
+            <a:p>
+              <a:pPr algn="l" marL="0" marR="0" indent="0">
+                <a:lnSpc>
+                  <a:spcPts val="1100"/>
+                </a:lnSpc>
+                <a:spcBef>
+                  <a:spcPts val="0"/>
+                </a:spcBef>
+                <a:spcAft>
+                  <a:spcPts val="0"/>
+                </a:spcAft>
+              </a:pPr>
+              <a:r>
+                <a:rPr sz="1100" b="1">
+                  <a:solidFill>
+                    <a:srgbClr val="000000">
+                      <a:alpha val="100000"/>
+                    </a:srgbClr>
+                  </a:solidFill>
+                  <a:latin typeface="Arial"/>
+                  <a:cs typeface="Arial"/>
+                </a:rPr>
+                <a:t>FOOD SCIENCE TECHNOLOGY</a:t>
+              </a:r>
+            </a:p>
+          </p:txBody>
+        </p:sp>
+        <p:sp>
+          <p:nvSpPr>
+            <p:cNvPr id="32" name="tx32"/>
+            <p:cNvSpPr/>
+            <p:nvPr/>
+          </p:nvSpPr>
+          <p:spPr>
+            <a:xfrm>
+              <a:off x="5772255" y="4090913"/>
+              <a:ext cx="905542" cy="59473"/>
+            </a:xfrm>
+            <a:prstGeom prst="rect">
+              <a:avLst/>
+            </a:prstGeom>
+            <a:noFill/>
+          </p:spPr>
+          <p:txBody>
+            <a:bodyPr lIns="0" rIns="0" tIns="0" bIns="0" anchorCtr="1" anchor="ctr" wrap="none"/>
+            <a:lstStyle/>
+            <a:p>
+              <a:pPr algn="l" marL="0" marR="0" indent="0">
+                <a:lnSpc>
+                  <a:spcPts val="632"/>
+                </a:lnSpc>
+                <a:spcBef>
+                  <a:spcPts val="0"/>
+                </a:spcBef>
+                <a:spcAft>
+                  <a:spcPts val="0"/>
+                </a:spcAft>
+              </a:pPr>
+              <a:r>
+                <a:rPr sz="632" b="1">
+                  <a:solidFill>
+                    <a:srgbClr val="000000">
+                      <a:alpha val="100000"/>
+                    </a:srgbClr>
+                  </a:solidFill>
+                  <a:latin typeface="Arial"/>
+                  <a:cs typeface="Arial"/>
+                </a:rPr>
+                <a:t>GASTROENTEROLOGY</a:t>
+              </a:r>
+            </a:p>
+          </p:txBody>
+        </p:sp>
+        <p:sp>
+          <p:nvSpPr>
+            <p:cNvPr id="33" name="tx33"/>
+            <p:cNvSpPr/>
+            <p:nvPr/>
+          </p:nvSpPr>
+          <p:spPr>
+            <a:xfrm>
+              <a:off x="5943989" y="4206571"/>
+              <a:ext cx="562073" cy="59433"/>
+            </a:xfrm>
+            <a:prstGeom prst="rect">
+              <a:avLst/>
+            </a:prstGeom>
+            <a:noFill/>
+          </p:spPr>
+          <p:txBody>
+            <a:bodyPr lIns="0" rIns="0" tIns="0" bIns="0" anchorCtr="1" anchor="ctr" wrap="none"/>
+            <a:lstStyle/>
+            <a:p>
+              <a:pPr algn="l" marL="0" marR="0" indent="0">
+                <a:lnSpc>
+                  <a:spcPts val="632"/>
+                </a:lnSpc>
+                <a:spcBef>
+                  <a:spcPts val="0"/>
+                </a:spcBef>
+                <a:spcAft>
+                  <a:spcPts val="0"/>
+                </a:spcAft>
+              </a:pPr>
+              <a:r>
+                <a:rPr sz="632" b="1">
+                  <a:solidFill>
+                    <a:srgbClr val="000000">
+                      <a:alpha val="100000"/>
+                    </a:srgbClr>
+                  </a:solidFill>
+                  <a:latin typeface="Arial"/>
+                  <a:cs typeface="Arial"/>
+                </a:rPr>
+                <a:t>HEPATOLOGY</a:t>
+              </a:r>
+            </a:p>
+          </p:txBody>
+        </p:sp>
+        <p:sp>
+          <p:nvSpPr>
+            <p:cNvPr id="34" name="tx34"/>
+            <p:cNvSpPr/>
+            <p:nvPr/>
+          </p:nvSpPr>
+          <p:spPr>
+            <a:xfrm>
+              <a:off x="6847791" y="2683003"/>
+              <a:ext cx="977831" cy="103410"/>
+            </a:xfrm>
+            <a:prstGeom prst="rect">
+              <a:avLst/>
+            </a:prstGeom>
+            <a:noFill/>
+          </p:spPr>
+          <p:txBody>
+            <a:bodyPr lIns="0" rIns="0" tIns="0" bIns="0" anchorCtr="1" anchor="ctr" wrap="none"/>
+            <a:lstStyle/>
+            <a:p>
+              <a:pPr algn="l" marL="0" marR="0" indent="0">
+                <a:lnSpc>
+                  <a:spcPts val="1100"/>
+                </a:lnSpc>
+                <a:spcBef>
+                  <a:spcPts val="0"/>
+                </a:spcBef>
+                <a:spcAft>
+                  <a:spcPts val="0"/>
+                </a:spcAft>
+              </a:pPr>
+              <a:r>
+                <a:rPr sz="1100" b="1">
+                  <a:solidFill>
+                    <a:srgbClr val="000000">
+                      <a:alpha val="100000"/>
+                    </a:srgbClr>
+                  </a:solidFill>
+                  <a:latin typeface="Arial"/>
+                  <a:cs typeface="Arial"/>
+                </a:rPr>
+                <a:t>IMMUNOLOGY</a:t>
+              </a:r>
+            </a:p>
+          </p:txBody>
+        </p:sp>
+        <p:sp>
+          <p:nvSpPr>
+            <p:cNvPr id="35" name="tx35"/>
+            <p:cNvSpPr/>
+            <p:nvPr/>
+          </p:nvSpPr>
+          <p:spPr>
+            <a:xfrm>
+              <a:off x="7180565" y="5360512"/>
+              <a:ext cx="551023" cy="100000"/>
+            </a:xfrm>
+            <a:prstGeom prst="rect">
+              <a:avLst/>
+            </a:prstGeom>
+            <a:noFill/>
+          </p:spPr>
+          <p:txBody>
+            <a:bodyPr lIns="0" rIns="0" tIns="0" bIns="0" anchorCtr="1" anchor="ctr" wrap="none"/>
+            <a:lstStyle/>
+            <a:p>
+              <a:pPr algn="l" marL="0" marR="0" indent="0">
+                <a:lnSpc>
+                  <a:spcPts val="1100"/>
+                </a:lnSpc>
+                <a:spcBef>
+                  <a:spcPts val="0"/>
+                </a:spcBef>
+                <a:spcAft>
+                  <a:spcPts val="0"/>
+                </a:spcAft>
+              </a:pPr>
+              <a:r>
+                <a:rPr sz="1100" b="1">
+                  <a:solidFill>
+                    <a:srgbClr val="000000">
+                      <a:alpha val="100000"/>
+                    </a:srgbClr>
+                  </a:solidFill>
+                  <a:latin typeface="Arial"/>
+                  <a:cs typeface="Arial"/>
+                </a:rPr>
+                <a:t>MARINE</a:t>
+              </a:r>
+            </a:p>
+          </p:txBody>
+        </p:sp>
+        <p:sp>
+          <p:nvSpPr>
+            <p:cNvPr id="36" name="tx36"/>
+            <p:cNvSpPr/>
+            <p:nvPr/>
+          </p:nvSpPr>
+          <p:spPr>
+            <a:xfrm>
+              <a:off x="6963273" y="5558201"/>
+              <a:ext cx="985608" cy="103478"/>
+            </a:xfrm>
+            <a:prstGeom prst="rect">
+              <a:avLst/>
+            </a:prstGeom>
+            <a:noFill/>
+          </p:spPr>
+          <p:txBody>
+            <a:bodyPr lIns="0" rIns="0" tIns="0" bIns="0" anchorCtr="1" anchor="ctr" wrap="none"/>
+            <a:lstStyle/>
+            <a:p>
+              <a:pPr algn="l" marL="0" marR="0" indent="0">
+                <a:lnSpc>
+                  <a:spcPts val="1100"/>
+                </a:lnSpc>
+                <a:spcBef>
+                  <a:spcPts val="0"/>
+                </a:spcBef>
+                <a:spcAft>
+                  <a:spcPts val="0"/>
+                </a:spcAft>
+              </a:pPr>
+              <a:r>
+                <a:rPr sz="1100" b="1">
+                  <a:solidFill>
+                    <a:srgbClr val="000000">
+                      <a:alpha val="100000"/>
+                    </a:srgbClr>
+                  </a:solidFill>
+                  <a:latin typeface="Arial"/>
+                  <a:cs typeface="Arial"/>
+                </a:rPr>
+                <a:t>FRESHWATER</a:t>
+              </a:r>
+            </a:p>
+          </p:txBody>
+        </p:sp>
+        <p:sp>
+          <p:nvSpPr>
+            <p:cNvPr id="37" name="tx37"/>
+            <p:cNvSpPr/>
+            <p:nvPr/>
+          </p:nvSpPr>
+          <p:spPr>
+            <a:xfrm>
+              <a:off x="7133976" y="5759438"/>
               <a:ext cx="644202" cy="103410"/>
             </a:xfrm>
             <a:prstGeom prst="rect">
@@ -3998,14 +4550,14 @@
         </p:sp>
         <p:sp>
           <p:nvSpPr>
-            <p:cNvPr id="26" name="tx26"/>
+            <p:cNvPr id="38" name="tx38"/>
             <p:cNvSpPr/>
             <p:nvPr/>
           </p:nvSpPr>
           <p:spPr>
             <a:xfrm>
-              <a:off x="4302671" y="2546491"/>
-              <a:ext cx="1234039" cy="103410"/>
+              <a:off x="6987905" y="3829133"/>
+              <a:ext cx="582915" cy="88255"/>
             </a:xfrm>
             <a:prstGeom prst="rect">
               <a:avLst/>
@@ -4018,7 +4570,7 @@
             <a:p>
               <a:pPr algn="l" marL="0" marR="0" indent="0">
                 <a:lnSpc>
-                  <a:spcPts val="1100"/>
+                  <a:spcPts val="938"/>
                 </a:lnSpc>
                 <a:spcBef>
                   <a:spcPts val="0"/>
@@ -4028,7 +4580,7 @@
                 </a:spcAft>
               </a:pPr>
               <a:r>
-                <a:rPr sz="1100" b="1">
+                <a:rPr sz="938" b="1">
                   <a:solidFill>
                     <a:srgbClr val="000000">
                       <a:alpha val="100000"/>
@@ -4037,21 +4589,21 @@
                   <a:latin typeface="Arial"/>
                   <a:cs typeface="Arial"/>
                 </a:rPr>
-                <a:t>BIOTECHNOLOGY</a:t>
+                <a:t>MEDICINE</a:t>
               </a:r>
             </a:p>
           </p:txBody>
         </p:sp>
         <p:sp>
           <p:nvSpPr>
-            <p:cNvPr id="27" name="tx27"/>
+            <p:cNvPr id="39" name="tx39"/>
             <p:cNvSpPr/>
             <p:nvPr/>
           </p:nvSpPr>
           <p:spPr>
             <a:xfrm>
-              <a:off x="4616962" y="2751069"/>
-              <a:ext cx="605457" cy="100000"/>
+              <a:off x="6944825" y="4000761"/>
+              <a:ext cx="669075" cy="88313"/>
             </a:xfrm>
             <a:prstGeom prst="rect">
               <a:avLst/>
@@ -4064,7 +4616,7 @@
             <a:p>
               <a:pPr algn="l" marL="0" marR="0" indent="0">
                 <a:lnSpc>
-                  <a:spcPts val="1100"/>
+                  <a:spcPts val="938"/>
                 </a:lnSpc>
                 <a:spcBef>
                   <a:spcPts val="0"/>
@@ -4074,7 +4626,7 @@
                 </a:spcAft>
               </a:pPr>
               <a:r>
-                <a:rPr sz="1100" b="1">
+                <a:rPr sz="938" b="1">
                   <a:solidFill>
                     <a:srgbClr val="000000">
                       <a:alpha val="100000"/>
@@ -4083,20 +4635,66 @@
                   <a:latin typeface="Arial"/>
                   <a:cs typeface="Arial"/>
                 </a:rPr>
-                <a:t>APPLIED</a:t>
+                <a:t>RESEARCH</a:t>
               </a:r>
             </a:p>
           </p:txBody>
         </p:sp>
         <p:sp>
           <p:nvSpPr>
-            <p:cNvPr id="28" name="tx28"/>
+            <p:cNvPr id="40" name="tx40"/>
             <p:cNvSpPr/>
             <p:nvPr/>
           </p:nvSpPr>
           <p:spPr>
             <a:xfrm>
-              <a:off x="4364779" y="2948827"/>
+              <a:off x="6812355" y="4175415"/>
+              <a:ext cx="934015" cy="85344"/>
+            </a:xfrm>
+            <a:prstGeom prst="rect">
+              <a:avLst/>
+            </a:prstGeom>
+            <a:noFill/>
+          </p:spPr>
+          <p:txBody>
+            <a:bodyPr lIns="0" rIns="0" tIns="0" bIns="0" anchorCtr="1" anchor="ctr" wrap="none"/>
+            <a:lstStyle/>
+            <a:p>
+              <a:pPr algn="l" marL="0" marR="0" indent="0">
+                <a:lnSpc>
+                  <a:spcPts val="938"/>
+                </a:lnSpc>
+                <a:spcBef>
+                  <a:spcPts val="0"/>
+                </a:spcBef>
+                <a:spcAft>
+                  <a:spcPts val="0"/>
+                </a:spcAft>
+              </a:pPr>
+              <a:r>
+                <a:rPr sz="938" b="1">
+                  <a:solidFill>
+                    <a:srgbClr val="000000">
+                      <a:alpha val="100000"/>
+                    </a:srgbClr>
+                  </a:solidFill>
+                  <a:latin typeface="Arial"/>
+                  <a:cs typeface="Arial"/>
+                </a:rPr>
+                <a:t>EXPERIMENTAL</a:t>
+              </a:r>
+            </a:p>
+          </p:txBody>
+        </p:sp>
+        <p:sp>
+          <p:nvSpPr>
+            <p:cNvPr id="41" name="tx41"/>
+            <p:cNvSpPr/>
+            <p:nvPr/>
+          </p:nvSpPr>
+          <p:spPr>
+            <a:xfrm>
+              <a:off x="2389198" y="4999089"/>
               <a:ext cx="1109823" cy="103410"/>
             </a:xfrm>
             <a:prstGeom prst="rect">
@@ -4136,14 +4734,106 @@
         </p:sp>
         <p:sp>
           <p:nvSpPr>
-            <p:cNvPr id="29" name="tx29"/>
+            <p:cNvPr id="42" name="tx42"/>
             <p:cNvSpPr/>
             <p:nvPr/>
           </p:nvSpPr>
           <p:spPr>
             <a:xfrm>
-              <a:off x="5806081" y="5424091"/>
-              <a:ext cx="822715" cy="103478"/>
+              <a:off x="8143599" y="5175711"/>
+              <a:ext cx="694234" cy="50859"/>
+            </a:xfrm>
+            <a:prstGeom prst="rect">
+              <a:avLst/>
+            </a:prstGeom>
+            <a:noFill/>
+          </p:spPr>
+          <p:txBody>
+            <a:bodyPr lIns="0" rIns="0" tIns="0" bIns="0" anchorCtr="1" anchor="ctr" wrap="none"/>
+            <a:lstStyle/>
+            <a:p>
+              <a:pPr algn="l" marL="0" marR="0" indent="0">
+                <a:lnSpc>
+                  <a:spcPts val="540"/>
+                </a:lnSpc>
+                <a:spcBef>
+                  <a:spcPts val="0"/>
+                </a:spcBef>
+                <a:spcAft>
+                  <a:spcPts val="0"/>
+                </a:spcAft>
+              </a:pPr>
+              <a:r>
+                <a:rPr sz="540" b="1">
+                  <a:solidFill>
+                    <a:srgbClr val="000000">
+                      <a:alpha val="100000"/>
+                    </a:srgbClr>
+                  </a:solidFill>
+                  <a:latin typeface="Arial"/>
+                  <a:cs typeface="Arial"/>
+                </a:rPr>
+                <a:t>MULTIDISCIPLINARY</a:t>
+              </a:r>
+            </a:p>
+          </p:txBody>
+        </p:sp>
+        <p:sp>
+          <p:nvSpPr>
+            <p:cNvPr id="43" name="tx43"/>
+            <p:cNvSpPr/>
+            <p:nvPr/>
+          </p:nvSpPr>
+          <p:spPr>
+            <a:xfrm>
+              <a:off x="8315204" y="5274585"/>
+              <a:ext cx="351023" cy="50859"/>
+            </a:xfrm>
+            <a:prstGeom prst="rect">
+              <a:avLst/>
+            </a:prstGeom>
+            <a:noFill/>
+          </p:spPr>
+          <p:txBody>
+            <a:bodyPr lIns="0" rIns="0" tIns="0" bIns="0" anchorCtr="1" anchor="ctr" wrap="none"/>
+            <a:lstStyle/>
+            <a:p>
+              <a:pPr algn="l" marL="0" marR="0" indent="0">
+                <a:lnSpc>
+                  <a:spcPts val="540"/>
+                </a:lnSpc>
+                <a:spcBef>
+                  <a:spcPts val="0"/>
+                </a:spcBef>
+                <a:spcAft>
+                  <a:spcPts val="0"/>
+                </a:spcAft>
+              </a:pPr>
+              <a:r>
+                <a:rPr sz="540" b="1">
+                  <a:solidFill>
+                    <a:srgbClr val="000000">
+                      <a:alpha val="100000"/>
+                    </a:srgbClr>
+                  </a:solidFill>
+                  <a:latin typeface="Arial"/>
+                  <a:cs typeface="Arial"/>
+                </a:rPr>
+                <a:t>SCIENCES</a:t>
+              </a:r>
+            </a:p>
+          </p:txBody>
+        </p:sp>
+        <p:sp>
+          <p:nvSpPr>
+            <p:cNvPr id="44" name="tx44"/>
+            <p:cNvSpPr/>
+            <p:nvPr/>
+          </p:nvSpPr>
+          <p:spPr>
+            <a:xfrm>
+              <a:off x="4090232" y="5335325"/>
+              <a:ext cx="1528923" cy="103478"/>
             </a:xfrm>
             <a:prstGeom prst="rect">
               <a:avLst/>
@@ -4175,21 +4865,21 @@
                   <a:latin typeface="Arial"/>
                   <a:cs typeface="Arial"/>
                 </a:rPr>
-                <a:t>CHEMISTRY</a:t>
+                <a:t>NUTRITION DIETETICS</a:t>
               </a:r>
             </a:p>
           </p:txBody>
         </p:sp>
         <p:sp>
           <p:nvSpPr>
-            <p:cNvPr id="30" name="tx30"/>
+            <p:cNvPr id="45" name="tx45"/>
             <p:cNvSpPr/>
             <p:nvPr/>
           </p:nvSpPr>
           <p:spPr>
             <a:xfrm>
-              <a:off x="5914710" y="5628738"/>
-              <a:ext cx="605457" cy="100000"/>
+              <a:off x="6846834" y="4757297"/>
+              <a:ext cx="1218486" cy="103410"/>
             </a:xfrm>
             <a:prstGeom prst="rect">
               <a:avLst/>
@@ -4221,21 +4911,21 @@
                   <a:latin typeface="Arial"/>
                   <a:cs typeface="Arial"/>
                 </a:rPr>
-                <a:t>APPLIED</a:t>
+                <a:t>PHARMACOLOGY</a:t>
               </a:r>
             </a:p>
           </p:txBody>
         </p:sp>
         <p:sp>
           <p:nvSpPr>
-            <p:cNvPr id="31" name="tx31"/>
+            <p:cNvPr id="46" name="tx46"/>
             <p:cNvSpPr/>
             <p:nvPr/>
           </p:nvSpPr>
           <p:spPr>
             <a:xfrm>
-              <a:off x="5794145" y="3645101"/>
-              <a:ext cx="737449" cy="103478"/>
+              <a:off x="7052496" y="4958465"/>
+              <a:ext cx="807163" cy="103410"/>
             </a:xfrm>
             <a:prstGeom prst="rect">
               <a:avLst/>
@@ -4267,21 +4957,21 @@
                   <a:latin typeface="Arial"/>
                   <a:cs typeface="Arial"/>
                 </a:rPr>
-                <a:t>FISHERIES</a:t>
+                <a:t>PHARMACY</a:t>
               </a:r>
             </a:p>
           </p:txBody>
         </p:sp>
         <p:sp>
           <p:nvSpPr>
-            <p:cNvPr id="32" name="tx32"/>
+            <p:cNvPr id="47" name="tx47"/>
             <p:cNvSpPr/>
             <p:nvPr/>
           </p:nvSpPr>
           <p:spPr>
             <a:xfrm>
-              <a:off x="2728606" y="2876607"/>
-              <a:ext cx="1063370" cy="103478"/>
+              <a:off x="5774821" y="5233905"/>
+              <a:ext cx="900410" cy="100000"/>
             </a:xfrm>
             <a:prstGeom prst="rect">
               <a:avLst/>
@@ -4313,572 +5003,20 @@
                   <a:latin typeface="Arial"/>
                   <a:cs typeface="Arial"/>
                 </a:rPr>
-                <a:t>FOOD SCIENCE</a:t>
+                <a:t>VETERINARY</a:t>
               </a:r>
             </a:p>
           </p:txBody>
         </p:sp>
         <p:sp>
           <p:nvSpPr>
-            <p:cNvPr id="33" name="tx33"/>
+            <p:cNvPr id="48" name="tx48"/>
             <p:cNvSpPr/>
             <p:nvPr/>
           </p:nvSpPr>
           <p:spPr>
             <a:xfrm>
-              <a:off x="2767453" y="3077843"/>
-              <a:ext cx="985676" cy="103410"/>
-            </a:xfrm>
-            <a:prstGeom prst="rect">
-              <a:avLst/>
-            </a:prstGeom>
-            <a:noFill/>
-          </p:spPr>
-          <p:txBody>
-            <a:bodyPr lIns="0" rIns="0" tIns="0" bIns="0" anchorCtr="1" anchor="ctr" wrap="none"/>
-            <a:lstStyle/>
-            <a:p>
-              <a:pPr algn="l" marL="0" marR="0" indent="0">
-                <a:lnSpc>
-                  <a:spcPts val="1100"/>
-                </a:lnSpc>
-                <a:spcBef>
-                  <a:spcPts val="0"/>
-                </a:spcBef>
-                <a:spcAft>
-                  <a:spcPts val="0"/>
-                </a:spcAft>
-              </a:pPr>
-              <a:r>
-                <a:rPr sz="1100" b="1">
-                  <a:solidFill>
-                    <a:srgbClr val="000000">
-                      <a:alpha val="100000"/>
-                    </a:srgbClr>
-                  </a:solidFill>
-                  <a:latin typeface="Arial"/>
-                  <a:cs typeface="Arial"/>
-                </a:rPr>
-                <a:t>TECHNOLOGY</a:t>
-              </a:r>
-            </a:p>
-          </p:txBody>
-        </p:sp>
-        <p:sp>
-          <p:nvSpPr>
-            <p:cNvPr id="34" name="tx34"/>
-            <p:cNvSpPr/>
-            <p:nvPr/>
-          </p:nvSpPr>
-          <p:spPr>
-            <a:xfrm>
-              <a:off x="6672256" y="3609892"/>
-              <a:ext cx="906997" cy="59568"/>
-            </a:xfrm>
-            <a:prstGeom prst="rect">
-              <a:avLst/>
-            </a:prstGeom>
-            <a:noFill/>
-          </p:spPr>
-          <p:txBody>
-            <a:bodyPr lIns="0" rIns="0" tIns="0" bIns="0" anchorCtr="1" anchor="ctr" wrap="none"/>
-            <a:lstStyle/>
-            <a:p>
-              <a:pPr algn="l" marL="0" marR="0" indent="0">
-                <a:lnSpc>
-                  <a:spcPts val="633"/>
-                </a:lnSpc>
-                <a:spcBef>
-                  <a:spcPts val="0"/>
-                </a:spcBef>
-                <a:spcAft>
-                  <a:spcPts val="0"/>
-                </a:spcAft>
-              </a:pPr>
-              <a:r>
-                <a:rPr sz="633" b="1">
-                  <a:solidFill>
-                    <a:srgbClr val="000000">
-                      <a:alpha val="100000"/>
-                    </a:srgbClr>
-                  </a:solidFill>
-                  <a:latin typeface="Arial"/>
-                  <a:cs typeface="Arial"/>
-                </a:rPr>
-                <a:t>GASTROENTEROLOGY</a:t>
-              </a:r>
-            </a:p>
-          </p:txBody>
-        </p:sp>
-        <p:sp>
-          <p:nvSpPr>
-            <p:cNvPr id="35" name="tx35"/>
-            <p:cNvSpPr/>
-            <p:nvPr/>
-          </p:nvSpPr>
-          <p:spPr>
-            <a:xfrm>
-              <a:off x="6844267" y="3725735"/>
-              <a:ext cx="562976" cy="59529"/>
-            </a:xfrm>
-            <a:prstGeom prst="rect">
-              <a:avLst/>
-            </a:prstGeom>
-            <a:noFill/>
-          </p:spPr>
-          <p:txBody>
-            <a:bodyPr lIns="0" rIns="0" tIns="0" bIns="0" anchorCtr="1" anchor="ctr" wrap="none"/>
-            <a:lstStyle/>
-            <a:p>
-              <a:pPr algn="l" marL="0" marR="0" indent="0">
-                <a:lnSpc>
-                  <a:spcPts val="633"/>
-                </a:lnSpc>
-                <a:spcBef>
-                  <a:spcPts val="0"/>
-                </a:spcBef>
-                <a:spcAft>
-                  <a:spcPts val="0"/>
-                </a:spcAft>
-              </a:pPr>
-              <a:r>
-                <a:rPr sz="633" b="1">
-                  <a:solidFill>
-                    <a:srgbClr val="000000">
-                      <a:alpha val="100000"/>
-                    </a:srgbClr>
-                  </a:solidFill>
-                  <a:latin typeface="Arial"/>
-                  <a:cs typeface="Arial"/>
-                </a:rPr>
-                <a:t>HEPATOLOGY</a:t>
-              </a:r>
-            </a:p>
-          </p:txBody>
-        </p:sp>
-        <p:sp>
-          <p:nvSpPr>
-            <p:cNvPr id="36" name="tx36"/>
-            <p:cNvSpPr/>
-            <p:nvPr/>
-          </p:nvSpPr>
-          <p:spPr>
-            <a:xfrm>
-              <a:off x="7227504" y="2414956"/>
-              <a:ext cx="977831" cy="103410"/>
-            </a:xfrm>
-            <a:prstGeom prst="rect">
-              <a:avLst/>
-            </a:prstGeom>
-            <a:noFill/>
-          </p:spPr>
-          <p:txBody>
-            <a:bodyPr lIns="0" rIns="0" tIns="0" bIns="0" anchorCtr="1" anchor="ctr" wrap="none"/>
-            <a:lstStyle/>
-            <a:p>
-              <a:pPr algn="l" marL="0" marR="0" indent="0">
-                <a:lnSpc>
-                  <a:spcPts val="1100"/>
-                </a:lnSpc>
-                <a:spcBef>
-                  <a:spcPts val="0"/>
-                </a:spcBef>
-                <a:spcAft>
-                  <a:spcPts val="0"/>
-                </a:spcAft>
-              </a:pPr>
-              <a:r>
-                <a:rPr sz="1100" b="1">
-                  <a:solidFill>
-                    <a:srgbClr val="000000">
-                      <a:alpha val="100000"/>
-                    </a:srgbClr>
-                  </a:solidFill>
-                  <a:latin typeface="Arial"/>
-                  <a:cs typeface="Arial"/>
-                </a:rPr>
-                <a:t>IMMUNOLOGY</a:t>
-              </a:r>
-            </a:p>
-          </p:txBody>
-        </p:sp>
-        <p:sp>
-          <p:nvSpPr>
-            <p:cNvPr id="37" name="tx37"/>
-            <p:cNvSpPr/>
-            <p:nvPr/>
-          </p:nvSpPr>
-          <p:spPr>
-            <a:xfrm>
-              <a:off x="7790934" y="4732805"/>
-              <a:ext cx="388762" cy="70552"/>
-            </a:xfrm>
-            <a:prstGeom prst="rect">
-              <a:avLst/>
-            </a:prstGeom>
-            <a:noFill/>
-          </p:spPr>
-          <p:txBody>
-            <a:bodyPr lIns="0" rIns="0" tIns="0" bIns="0" anchorCtr="1" anchor="ctr" wrap="none"/>
-            <a:lstStyle/>
-            <a:p>
-              <a:pPr algn="l" marL="0" marR="0" indent="0">
-                <a:lnSpc>
-                  <a:spcPts val="776"/>
-                </a:lnSpc>
-                <a:spcBef>
-                  <a:spcPts val="0"/>
-                </a:spcBef>
-                <a:spcAft>
-                  <a:spcPts val="0"/>
-                </a:spcAft>
-              </a:pPr>
-              <a:r>
-                <a:rPr sz="776" b="1">
-                  <a:solidFill>
-                    <a:srgbClr val="000000">
-                      <a:alpha val="100000"/>
-                    </a:srgbClr>
-                  </a:solidFill>
-                  <a:latin typeface="Arial"/>
-                  <a:cs typeface="Arial"/>
-                </a:rPr>
-                <a:t>MARINE</a:t>
-              </a:r>
-            </a:p>
-          </p:txBody>
-        </p:sp>
-        <p:sp>
-          <p:nvSpPr>
-            <p:cNvPr id="38" name="tx38"/>
-            <p:cNvSpPr/>
-            <p:nvPr/>
-          </p:nvSpPr>
-          <p:spPr>
-            <a:xfrm>
-              <a:off x="7637628" y="4872280"/>
-              <a:ext cx="695373" cy="73007"/>
-            </a:xfrm>
-            <a:prstGeom prst="rect">
-              <a:avLst/>
-            </a:prstGeom>
-            <a:noFill/>
-          </p:spPr>
-          <p:txBody>
-            <a:bodyPr lIns="0" rIns="0" tIns="0" bIns="0" anchorCtr="1" anchor="ctr" wrap="none"/>
-            <a:lstStyle/>
-            <a:p>
-              <a:pPr algn="l" marL="0" marR="0" indent="0">
-                <a:lnSpc>
-                  <a:spcPts val="776"/>
-                </a:lnSpc>
-                <a:spcBef>
-                  <a:spcPts val="0"/>
-                </a:spcBef>
-                <a:spcAft>
-                  <a:spcPts val="0"/>
-                </a:spcAft>
-              </a:pPr>
-              <a:r>
-                <a:rPr sz="776" b="1">
-                  <a:solidFill>
-                    <a:srgbClr val="000000">
-                      <a:alpha val="100000"/>
-                    </a:srgbClr>
-                  </a:solidFill>
-                  <a:latin typeface="Arial"/>
-                  <a:cs typeface="Arial"/>
-                </a:rPr>
-                <a:t>FRESHWATER</a:t>
-              </a:r>
-            </a:p>
-          </p:txBody>
-        </p:sp>
-        <p:sp>
-          <p:nvSpPr>
-            <p:cNvPr id="39" name="tx39"/>
-            <p:cNvSpPr/>
-            <p:nvPr/>
-          </p:nvSpPr>
-          <p:spPr>
-            <a:xfrm>
-              <a:off x="7758064" y="5014258"/>
-              <a:ext cx="454502" cy="72959"/>
-            </a:xfrm>
-            <a:prstGeom prst="rect">
-              <a:avLst/>
-            </a:prstGeom>
-            <a:noFill/>
-          </p:spPr>
-          <p:txBody>
-            <a:bodyPr lIns="0" rIns="0" tIns="0" bIns="0" anchorCtr="1" anchor="ctr" wrap="none"/>
-            <a:lstStyle/>
-            <a:p>
-              <a:pPr algn="l" marL="0" marR="0" indent="0">
-                <a:lnSpc>
-                  <a:spcPts val="776"/>
-                </a:lnSpc>
-                <a:spcBef>
-                  <a:spcPts val="0"/>
-                </a:spcBef>
-                <a:spcAft>
-                  <a:spcPts val="0"/>
-                </a:spcAft>
-              </a:pPr>
-              <a:r>
-                <a:rPr sz="776" b="1">
-                  <a:solidFill>
-                    <a:srgbClr val="000000">
-                      <a:alpha val="100000"/>
-                    </a:srgbClr>
-                  </a:solidFill>
-                  <a:latin typeface="Arial"/>
-                  <a:cs typeface="Arial"/>
-                </a:rPr>
-                <a:t>BIOLOGY</a:t>
-              </a:r>
-            </a:p>
-          </p:txBody>
-        </p:sp>
-        <p:sp>
-          <p:nvSpPr>
-            <p:cNvPr id="40" name="tx40"/>
-            <p:cNvSpPr/>
-            <p:nvPr/>
-          </p:nvSpPr>
-          <p:spPr>
-            <a:xfrm>
-              <a:off x="5875931" y="4517809"/>
-              <a:ext cx="683015" cy="103410"/>
-            </a:xfrm>
-            <a:prstGeom prst="rect">
-              <a:avLst/>
-            </a:prstGeom>
-            <a:noFill/>
-          </p:spPr>
-          <p:txBody>
-            <a:bodyPr lIns="0" rIns="0" tIns="0" bIns="0" anchorCtr="1" anchor="ctr" wrap="none"/>
-            <a:lstStyle/>
-            <a:p>
-              <a:pPr algn="l" marL="0" marR="0" indent="0">
-                <a:lnSpc>
-                  <a:spcPts val="1100"/>
-                </a:lnSpc>
-                <a:spcBef>
-                  <a:spcPts val="0"/>
-                </a:spcBef>
-                <a:spcAft>
-                  <a:spcPts val="0"/>
-                </a:spcAft>
-              </a:pPr>
-              <a:r>
-                <a:rPr sz="1100" b="1">
-                  <a:solidFill>
-                    <a:srgbClr val="000000">
-                      <a:alpha val="100000"/>
-                    </a:srgbClr>
-                  </a:solidFill>
-                  <a:latin typeface="Arial"/>
-                  <a:cs typeface="Arial"/>
-                </a:rPr>
-                <a:t>MEDICINE</a:t>
-              </a:r>
-            </a:p>
-          </p:txBody>
-        </p:sp>
-        <p:sp>
-          <p:nvSpPr>
-            <p:cNvPr id="41" name="tx41"/>
-            <p:cNvSpPr/>
-            <p:nvPr/>
-          </p:nvSpPr>
-          <p:spPr>
-            <a:xfrm>
-              <a:off x="5825453" y="4718909"/>
-              <a:ext cx="783970" cy="103478"/>
-            </a:xfrm>
-            <a:prstGeom prst="rect">
-              <a:avLst/>
-            </a:prstGeom>
-            <a:noFill/>
-          </p:spPr>
-          <p:txBody>
-            <a:bodyPr lIns="0" rIns="0" tIns="0" bIns="0" anchorCtr="1" anchor="ctr" wrap="none"/>
-            <a:lstStyle/>
-            <a:p>
-              <a:pPr algn="l" marL="0" marR="0" indent="0">
-                <a:lnSpc>
-                  <a:spcPts val="1100"/>
-                </a:lnSpc>
-                <a:spcBef>
-                  <a:spcPts val="0"/>
-                </a:spcBef>
-                <a:spcAft>
-                  <a:spcPts val="0"/>
-                </a:spcAft>
-              </a:pPr>
-              <a:r>
-                <a:rPr sz="1100" b="1">
-                  <a:solidFill>
-                    <a:srgbClr val="000000">
-                      <a:alpha val="100000"/>
-                    </a:srgbClr>
-                  </a:solidFill>
-                  <a:latin typeface="Arial"/>
-                  <a:cs typeface="Arial"/>
-                </a:rPr>
-                <a:t>RESEARCH</a:t>
-              </a:r>
-            </a:p>
-          </p:txBody>
-        </p:sp>
-        <p:sp>
-          <p:nvSpPr>
-            <p:cNvPr id="42" name="tx42"/>
-            <p:cNvSpPr/>
-            <p:nvPr/>
-          </p:nvSpPr>
-          <p:spPr>
-            <a:xfrm>
-              <a:off x="5670235" y="4923555"/>
-              <a:ext cx="1094407" cy="100000"/>
-            </a:xfrm>
-            <a:prstGeom prst="rect">
-              <a:avLst/>
-            </a:prstGeom>
-            <a:noFill/>
-          </p:spPr>
-          <p:txBody>
-            <a:bodyPr lIns="0" rIns="0" tIns="0" bIns="0" anchorCtr="1" anchor="ctr" wrap="none"/>
-            <a:lstStyle/>
-            <a:p>
-              <a:pPr algn="l" marL="0" marR="0" indent="0">
-                <a:lnSpc>
-                  <a:spcPts val="1100"/>
-                </a:lnSpc>
-                <a:spcBef>
-                  <a:spcPts val="0"/>
-                </a:spcBef>
-                <a:spcAft>
-                  <a:spcPts val="0"/>
-                </a:spcAft>
-              </a:pPr>
-              <a:r>
-                <a:rPr sz="1100" b="1">
-                  <a:solidFill>
-                    <a:srgbClr val="000000">
-                      <a:alpha val="100000"/>
-                    </a:srgbClr>
-                  </a:solidFill>
-                  <a:latin typeface="Arial"/>
-                  <a:cs typeface="Arial"/>
-                </a:rPr>
-                <a:t>EXPERIMENTAL</a:t>
-              </a:r>
-            </a:p>
-          </p:txBody>
-        </p:sp>
-        <p:sp>
-          <p:nvSpPr>
-            <p:cNvPr id="43" name="tx43"/>
-            <p:cNvSpPr/>
-            <p:nvPr/>
-          </p:nvSpPr>
-          <p:spPr>
-            <a:xfrm>
-              <a:off x="2705379" y="5013239"/>
-              <a:ext cx="1109823" cy="103410"/>
-            </a:xfrm>
-            <a:prstGeom prst="rect">
-              <a:avLst/>
-            </a:prstGeom>
-            <a:noFill/>
-          </p:spPr>
-          <p:txBody>
-            <a:bodyPr lIns="0" rIns="0" tIns="0" bIns="0" anchorCtr="1" anchor="ctr" wrap="none"/>
-            <a:lstStyle/>
-            <a:p>
-              <a:pPr algn="l" marL="0" marR="0" indent="0">
-                <a:lnSpc>
-                  <a:spcPts val="1100"/>
-                </a:lnSpc>
-                <a:spcBef>
-                  <a:spcPts val="0"/>
-                </a:spcBef>
-                <a:spcAft>
-                  <a:spcPts val="0"/>
-                </a:spcAft>
-              </a:pPr>
-              <a:r>
-                <a:rPr sz="1100" b="1">
-                  <a:solidFill>
-                    <a:srgbClr val="000000">
-                      <a:alpha val="100000"/>
-                    </a:srgbClr>
-                  </a:solidFill>
-                  <a:latin typeface="Arial"/>
-                  <a:cs typeface="Arial"/>
-                </a:rPr>
-                <a:t>MICROBIOLOGY</a:t>
-              </a:r>
-            </a:p>
-          </p:txBody>
-        </p:sp>
-        <p:sp>
-          <p:nvSpPr>
-            <p:cNvPr id="44" name="tx44"/>
-            <p:cNvSpPr/>
-            <p:nvPr/>
-          </p:nvSpPr>
-          <p:spPr>
-            <a:xfrm>
-              <a:off x="6872197" y="5561715"/>
-              <a:ext cx="1412484" cy="103478"/>
-            </a:xfrm>
-            <a:prstGeom prst="rect">
-              <a:avLst/>
-            </a:prstGeom>
-            <a:noFill/>
-          </p:spPr>
-          <p:txBody>
-            <a:bodyPr lIns="0" rIns="0" tIns="0" bIns="0" anchorCtr="1" anchor="ctr" wrap="none"/>
-            <a:lstStyle/>
-            <a:p>
-              <a:pPr algn="l" marL="0" marR="0" indent="0">
-                <a:lnSpc>
-                  <a:spcPts val="1100"/>
-                </a:lnSpc>
-                <a:spcBef>
-                  <a:spcPts val="0"/>
-                </a:spcBef>
-                <a:spcAft>
-                  <a:spcPts val="0"/>
-                </a:spcAft>
-              </a:pPr>
-              <a:r>
-                <a:rPr sz="1100" b="1">
-                  <a:solidFill>
-                    <a:srgbClr val="000000">
-                      <a:alpha val="100000"/>
-                    </a:srgbClr>
-                  </a:solidFill>
-                  <a:latin typeface="Arial"/>
-                  <a:cs typeface="Arial"/>
-                </a:rPr>
-                <a:t>MULTIDISCIPLINARY</a:t>
-              </a:r>
-            </a:p>
-          </p:txBody>
-        </p:sp>
-        <p:sp>
-          <p:nvSpPr>
-            <p:cNvPr id="45" name="tx45"/>
-            <p:cNvSpPr/>
-            <p:nvPr/>
-          </p:nvSpPr>
-          <p:spPr>
-            <a:xfrm>
-              <a:off x="7221345" y="5762883"/>
+              <a:off x="5867931" y="5431594"/>
               <a:ext cx="714188" cy="103478"/>
             </a:xfrm>
             <a:prstGeom prst="rect">
@@ -4903,282 +5041,6 @@
               </a:pPr>
               <a:r>
                 <a:rPr sz="1100" b="1">
-                  <a:solidFill>
-                    <a:srgbClr val="000000">
-                      <a:alpha val="100000"/>
-                    </a:srgbClr>
-                  </a:solidFill>
-                  <a:latin typeface="Arial"/>
-                  <a:cs typeface="Arial"/>
-                </a:rPr>
-                <a:t>SCIENCES</a:t>
-              </a:r>
-            </a:p>
-          </p:txBody>
-        </p:sp>
-        <p:sp>
-          <p:nvSpPr>
-            <p:cNvPr id="46" name="tx46"/>
-            <p:cNvSpPr/>
-            <p:nvPr/>
-          </p:nvSpPr>
-          <p:spPr>
-            <a:xfrm>
-              <a:off x="4539438" y="5253242"/>
-              <a:ext cx="760505" cy="103410"/>
-            </a:xfrm>
-            <a:prstGeom prst="rect">
-              <a:avLst/>
-            </a:prstGeom>
-            <a:noFill/>
-          </p:spPr>
-          <p:txBody>
-            <a:bodyPr lIns="0" rIns="0" tIns="0" bIns="0" anchorCtr="1" anchor="ctr" wrap="none"/>
-            <a:lstStyle/>
-            <a:p>
-              <a:pPr algn="l" marL="0" marR="0" indent="0">
-                <a:lnSpc>
-                  <a:spcPts val="1100"/>
-                </a:lnSpc>
-                <a:spcBef>
-                  <a:spcPts val="0"/>
-                </a:spcBef>
-                <a:spcAft>
-                  <a:spcPts val="0"/>
-                </a:spcAft>
-              </a:pPr>
-              <a:r>
-                <a:rPr sz="1100" b="1">
-                  <a:solidFill>
-                    <a:srgbClr val="000000">
-                      <a:alpha val="100000"/>
-                    </a:srgbClr>
-                  </a:solidFill>
-                  <a:latin typeface="Arial"/>
-                  <a:cs typeface="Arial"/>
-                </a:rPr>
-                <a:t>NUTRITION</a:t>
-              </a:r>
-            </a:p>
-          </p:txBody>
-        </p:sp>
-        <p:sp>
-          <p:nvSpPr>
-            <p:cNvPr id="47" name="tx47"/>
-            <p:cNvSpPr/>
-            <p:nvPr/>
-          </p:nvSpPr>
-          <p:spPr>
-            <a:xfrm>
-              <a:off x="4554888" y="5454342"/>
-              <a:ext cx="729605" cy="103478"/>
-            </a:xfrm>
-            <a:prstGeom prst="rect">
-              <a:avLst/>
-            </a:prstGeom>
-            <a:noFill/>
-          </p:spPr>
-          <p:txBody>
-            <a:bodyPr lIns="0" rIns="0" tIns="0" bIns="0" anchorCtr="1" anchor="ctr" wrap="none"/>
-            <a:lstStyle/>
-            <a:p>
-              <a:pPr algn="l" marL="0" marR="0" indent="0">
-                <a:lnSpc>
-                  <a:spcPts val="1100"/>
-                </a:lnSpc>
-                <a:spcBef>
-                  <a:spcPts val="0"/>
-                </a:spcBef>
-                <a:spcAft>
-                  <a:spcPts val="0"/>
-                </a:spcAft>
-              </a:pPr>
-              <a:r>
-                <a:rPr sz="1100" b="1">
-                  <a:solidFill>
-                    <a:srgbClr val="000000">
-                      <a:alpha val="100000"/>
-                    </a:srgbClr>
-                  </a:solidFill>
-                  <a:latin typeface="Arial"/>
-                  <a:cs typeface="Arial"/>
-                </a:rPr>
-                <a:t>DIETETICS</a:t>
-              </a:r>
-            </a:p>
-          </p:txBody>
-        </p:sp>
-        <p:sp>
-          <p:nvSpPr>
-            <p:cNvPr id="48" name="tx48"/>
-            <p:cNvSpPr/>
-            <p:nvPr/>
-          </p:nvSpPr>
-          <p:spPr>
-            <a:xfrm>
-              <a:off x="6848723" y="4822669"/>
-              <a:ext cx="691099" cy="58652"/>
-            </a:xfrm>
-            <a:prstGeom prst="rect">
-              <a:avLst/>
-            </a:prstGeom>
-            <a:noFill/>
-          </p:spPr>
-          <p:txBody>
-            <a:bodyPr lIns="0" rIns="0" tIns="0" bIns="0" anchorCtr="1" anchor="ctr" wrap="none"/>
-            <a:lstStyle/>
-            <a:p>
-              <a:pPr algn="l" marL="0" marR="0" indent="0">
-                <a:lnSpc>
-                  <a:spcPts val="623"/>
-                </a:lnSpc>
-                <a:spcBef>
-                  <a:spcPts val="0"/>
-                </a:spcBef>
-                <a:spcAft>
-                  <a:spcPts val="0"/>
-                </a:spcAft>
-              </a:pPr>
-              <a:r>
-                <a:rPr sz="623" b="1">
-                  <a:solidFill>
-                    <a:srgbClr val="000000">
-                      <a:alpha val="100000"/>
-                    </a:srgbClr>
-                  </a:solidFill>
-                  <a:latin typeface="Arial"/>
-                  <a:cs typeface="Arial"/>
-                </a:rPr>
-                <a:t>PHARMACOLOGY</a:t>
-              </a:r>
-            </a:p>
-          </p:txBody>
-        </p:sp>
-        <p:sp>
-          <p:nvSpPr>
-            <p:cNvPr id="49" name="tx49"/>
-            <p:cNvSpPr/>
-            <p:nvPr/>
-          </p:nvSpPr>
-          <p:spPr>
-            <a:xfrm>
-              <a:off x="6965370" y="4936767"/>
-              <a:ext cx="457805" cy="58652"/>
-            </a:xfrm>
-            <a:prstGeom prst="rect">
-              <a:avLst/>
-            </a:prstGeom>
-            <a:noFill/>
-          </p:spPr>
-          <p:txBody>
-            <a:bodyPr lIns="0" rIns="0" tIns="0" bIns="0" anchorCtr="1" anchor="ctr" wrap="none"/>
-            <a:lstStyle/>
-            <a:p>
-              <a:pPr algn="l" marL="0" marR="0" indent="0">
-                <a:lnSpc>
-                  <a:spcPts val="623"/>
-                </a:lnSpc>
-                <a:spcBef>
-                  <a:spcPts val="0"/>
-                </a:spcBef>
-                <a:spcAft>
-                  <a:spcPts val="0"/>
-                </a:spcAft>
-              </a:pPr>
-              <a:r>
-                <a:rPr sz="623" b="1">
-                  <a:solidFill>
-                    <a:srgbClr val="000000">
-                      <a:alpha val="100000"/>
-                    </a:srgbClr>
-                  </a:solidFill>
-                  <a:latin typeface="Arial"/>
-                  <a:cs typeface="Arial"/>
-                </a:rPr>
-                <a:t>PHARMACY</a:t>
-              </a:r>
-            </a:p>
-          </p:txBody>
-        </p:sp>
-        <p:sp>
-          <p:nvSpPr>
-            <p:cNvPr id="50" name="tx50"/>
-            <p:cNvSpPr/>
-            <p:nvPr/>
-          </p:nvSpPr>
-          <p:spPr>
-            <a:xfrm>
-              <a:off x="7614255" y="3579134"/>
-              <a:ext cx="714219" cy="79321"/>
-            </a:xfrm>
-            <a:prstGeom prst="rect">
-              <a:avLst/>
-            </a:prstGeom>
-            <a:noFill/>
-          </p:spPr>
-          <p:txBody>
-            <a:bodyPr lIns="0" rIns="0" tIns="0" bIns="0" anchorCtr="1" anchor="ctr" wrap="none"/>
-            <a:lstStyle/>
-            <a:p>
-              <a:pPr algn="l" marL="0" marR="0" indent="0">
-                <a:lnSpc>
-                  <a:spcPts val="872"/>
-                </a:lnSpc>
-                <a:spcBef>
-                  <a:spcPts val="0"/>
-                </a:spcBef>
-                <a:spcAft>
-                  <a:spcPts val="0"/>
-                </a:spcAft>
-              </a:pPr>
-              <a:r>
-                <a:rPr sz="872" b="1">
-                  <a:solidFill>
-                    <a:srgbClr val="000000">
-                      <a:alpha val="100000"/>
-                    </a:srgbClr>
-                  </a:solidFill>
-                  <a:latin typeface="Arial"/>
-                  <a:cs typeface="Arial"/>
-                </a:rPr>
-                <a:t>VETERINARY</a:t>
-              </a:r>
-            </a:p>
-          </p:txBody>
-        </p:sp>
-        <p:sp>
-          <p:nvSpPr>
-            <p:cNvPr id="51" name="tx51"/>
-            <p:cNvSpPr/>
-            <p:nvPr/>
-          </p:nvSpPr>
-          <p:spPr>
-            <a:xfrm>
-              <a:off x="7688112" y="3735944"/>
-              <a:ext cx="566506" cy="82081"/>
-            </a:xfrm>
-            <a:prstGeom prst="rect">
-              <a:avLst/>
-            </a:prstGeom>
-            <a:noFill/>
-          </p:spPr>
-          <p:txBody>
-            <a:bodyPr lIns="0" rIns="0" tIns="0" bIns="0" anchorCtr="1" anchor="ctr" wrap="none"/>
-            <a:lstStyle/>
-            <a:p>
-              <a:pPr algn="l" marL="0" marR="0" indent="0">
-                <a:lnSpc>
-                  <a:spcPts val="872"/>
-                </a:lnSpc>
-                <a:spcBef>
-                  <a:spcPts val="0"/>
-                </a:spcBef>
-                <a:spcAft>
-                  <a:spcPts val="0"/>
-                </a:spcAft>
-              </a:pPr>
-              <a:r>
-                <a:rPr sz="872" b="1">
                   <a:solidFill>
                     <a:srgbClr val="000000">
                       <a:alpha val="100000"/>
